--- a/slides/SE02.pptx
+++ b/slides/SE02.pptx
@@ -131,7 +131,7 @@
           <a:p>
             <a:fld id="{25325D8C-F4DA-D345-83D7-04EC01554320}" type="datetimeFigureOut">
               <a:rPr lang="en-US" smtClean="0"/>
-              <a:t>2/19/26</a:t>
+              <a:t>2/20/26</a:t>
             </a:fld>
             <a:endParaRPr lang="en-US"/>
           </a:p>
@@ -1990,7 +1990,7 @@
           <a:p>
             <a:fld id="{1D8BD707-D9CF-40AE-B4C6-C98DA3205C09}" type="datetimeFigureOut">
               <a:rPr lang="en-US"/>
-              <a:t>2/19/26</a:t>
+              <a:t>2/20/26</a:t>
             </a:fld>
             <a:endParaRPr lang="en-US"/>
           </a:p>
@@ -2167,7 +2167,7 @@
           <a:p>
             <a:fld id="{1D8BD707-D9CF-40AE-B4C6-C98DA3205C09}" type="datetimeFigureOut">
               <a:rPr lang="en-US"/>
-              <a:t>2/19/26</a:t>
+              <a:t>2/20/26</a:t>
             </a:fld>
             <a:endParaRPr lang="en-US"/>
           </a:p>
@@ -2381,7 +2381,7 @@
           <a:p>
             <a:fld id="{1D8BD707-D9CF-40AE-B4C6-C98DA3205C09}" type="datetimeFigureOut">
               <a:rPr lang="en-US"/>
-              <a:t>2/19/26</a:t>
+              <a:t>2/20/26</a:t>
             </a:fld>
             <a:endParaRPr lang="en-US"/>
           </a:p>
@@ -3080,7 +3080,7 @@
           <a:p>
             <a:fld id="{1D8BD707-D9CF-40AE-B4C6-C98DA3205C09}" type="datetimeFigureOut">
               <a:rPr lang="en-US"/>
-              <a:t>2/19/26</a:t>
+              <a:t>2/20/26</a:t>
             </a:fld>
             <a:endParaRPr lang="en-US"/>
           </a:p>
@@ -3199,7 +3199,7 @@
           <a:p>
             <a:fld id="{1D8BD707-D9CF-40AE-B4C6-C98DA3205C09}" type="datetimeFigureOut">
               <a:rPr lang="en-US"/>
-              <a:t>2/19/26</a:t>
+              <a:t>2/20/26</a:t>
             </a:fld>
             <a:endParaRPr lang="en-US"/>
           </a:p>
@@ -3424,7 +3424,7 @@
           <a:p>
             <a:fld id="{1D8BD707-D9CF-40AE-B4C6-C98DA3205C09}" type="datetimeFigureOut">
               <a:rPr lang="en-US"/>
-              <a:t>2/19/26</a:t>
+              <a:t>2/20/26</a:t>
             </a:fld>
             <a:endParaRPr lang="en-US"/>
           </a:p>
@@ -4525,7 +4525,7 @@
             <p:spPr bwMode="auto">
               <a:xfrm>
                 <a:off x="7004050" y="1302250"/>
-                <a:ext cx="12721584" cy="5791908"/>
+                <a:ext cx="12721584" cy="4352425"/>
               </a:xfrm>
               <a:prstGeom prst="rect">
                 <a:avLst/>
@@ -4741,11 +4741,11 @@
                   <a:buNone/>
                 </a:pPr>
                 <a:r>
-                  <a:rPr lang="en-US" altLang="en-US" b="1" dirty="0">
+                  <a:rPr lang="en-US" altLang="en-US" dirty="0">
                     <a:solidFill>
                       <a:srgbClr val="163794"/>
                     </a:solidFill>
-                    <a:latin typeface="InputMono Light" panose="02000509020000090004" pitchFamily="49" charset="0"/>
+                    <a:latin typeface="InputMono Medium" panose="02000709030000090004" pitchFamily="49" charset="0"/>
                   </a:rPr>
                   <a:t>moving beyond manual math: </a:t>
                 </a:r>
@@ -4860,7 +4860,7 @@
                   <a:solidFill>
                     <a:srgbClr val="163794"/>
                   </a:solidFill>
-                  <a:latin typeface="InputMono Light" panose="02000509020000090004" pitchFamily="49" charset="0"/>
+                  <a:latin typeface="InputMono Medium" panose="02000709030000090004" pitchFamily="49" charset="0"/>
                 </a:endParaRPr>
               </a:p>
               <a:p>
@@ -4874,29 +4874,29 @@
                   <a:buNone/>
                 </a:pPr>
                 <a:r>
-                  <a:rPr lang="en-US" altLang="en-US" b="1" dirty="0">
+                  <a:rPr lang="en-US" altLang="en-US" dirty="0">
                     <a:solidFill>
                       <a:srgbClr val="163794"/>
                     </a:solidFill>
-                    <a:latin typeface="InputMono Light" panose="02000509020000090004" pitchFamily="49" charset="0"/>
+                    <a:latin typeface="InputMono Medium" panose="02000709030000090004" pitchFamily="49" charset="0"/>
                   </a:rPr>
                   <a:t>benefits of using </a:t>
                 </a:r>
                 <a:r>
-                  <a:rPr lang="en-US" altLang="en-US" b="1" dirty="0" err="1">
+                  <a:rPr lang="en-US" altLang="en-US" dirty="0" err="1">
                     <a:solidFill>
                       <a:srgbClr val="163794"/>
                     </a:solidFill>
-                    <a:latin typeface="InputMono Light" panose="02000509020000090004" pitchFamily="49" charset="0"/>
+                    <a:latin typeface="InputMono Medium" panose="02000709030000090004" pitchFamily="49" charset="0"/>
                   </a:rPr>
                   <a:t>pytorch</a:t>
                 </a:r>
                 <a:r>
-                  <a:rPr lang="en-US" altLang="en-US" b="1" dirty="0">
+                  <a:rPr lang="en-US" altLang="en-US" dirty="0">
                     <a:solidFill>
                       <a:srgbClr val="163794"/>
                     </a:solidFill>
-                    <a:latin typeface="InputMono Light" panose="02000509020000090004" pitchFamily="49" charset="0"/>
+                    <a:latin typeface="InputMono Medium" panose="02000709030000090004" pitchFamily="49" charset="0"/>
                   </a:rPr>
                   <a:t> modules:</a:t>
                 </a:r>
@@ -4913,11 +4913,11 @@
                   <a:buAutoNum type="arabicPeriod"/>
                 </a:pPr>
                 <a:r>
-                  <a:rPr lang="en-US" altLang="en-US" b="1" dirty="0">
+                  <a:rPr lang="en-US" altLang="en-US" dirty="0">
                     <a:solidFill>
                       <a:srgbClr val="163794"/>
                     </a:solidFill>
-                    <a:latin typeface="InputMono Light" panose="02000509020000090004" pitchFamily="49" charset="0"/>
+                    <a:latin typeface="InputMono Medium" panose="02000709030000090004" pitchFamily="49" charset="0"/>
                   </a:rPr>
                   <a:t>automatic parameter management </a:t>
                 </a:r>
@@ -4943,13 +4943,13 @@
                   <a:buAutoNum type="arabicPeriod"/>
                 </a:pPr>
                 <a:r>
-                  <a:rPr lang="en-US" altLang="en-US" b="1" dirty="0">
+                  <a:rPr lang="en-US" altLang="en-US" dirty="0">
                     <a:solidFill>
                       <a:srgbClr val="163794"/>
                     </a:solidFill>
-                    <a:latin typeface="InputMono Light" panose="02000509020000090004" pitchFamily="49" charset="0"/>
+                    <a:latin typeface="InputMono Medium" panose="02000709030000090004" pitchFamily="49" charset="0"/>
                   </a:rPr>
-                  <a:t>gpu compatibility (seamlessly </a:t>
+                  <a:t>gpu compatibility </a:t>
                 </a:r>
                 <a:r>
                   <a:rPr lang="en-US" altLang="en-US" dirty="0">
@@ -4958,7 +4958,7 @@
                     </a:solidFill>
                     <a:latin typeface="InputMono Light" panose="02000509020000090004" pitchFamily="49" charset="0"/>
                   </a:rPr>
-                  <a:t>move data to gpu with </a:t>
+                  <a:t>(seamlessly move data to gpu with </a:t>
                 </a:r>
                 <a:r>
                   <a:rPr lang="en-US" altLang="en-US" dirty="0">
@@ -5009,11 +5009,11 @@
                   <a:buAutoNum type="arabicPeriod"/>
                 </a:pPr>
                 <a:r>
-                  <a:rPr lang="en-US" altLang="en-US" b="1" dirty="0">
+                  <a:rPr lang="en-US" altLang="en-US" dirty="0">
                     <a:solidFill>
                       <a:srgbClr val="163794"/>
                     </a:solidFill>
-                    <a:latin typeface="InputMono Light" panose="02000509020000090004" pitchFamily="49" charset="0"/>
+                    <a:latin typeface="InputMono Medium" panose="02000709030000090004" pitchFamily="49" charset="0"/>
                   </a:rPr>
                   <a:t>integration with optimizers </a:t>
                 </a:r>
@@ -5057,11 +5057,11 @@
                   <a:buAutoNum type="arabicPeriod"/>
                 </a:pPr>
                 <a:r>
-                  <a:rPr lang="en-US" altLang="en-US" b="1" dirty="0">
+                  <a:rPr lang="en-US" altLang="en-US" dirty="0">
                     <a:solidFill>
                       <a:srgbClr val="163794"/>
                     </a:solidFill>
-                    <a:latin typeface="InputMono Light" panose="02000509020000090004" pitchFamily="49" charset="0"/>
+                    <a:latin typeface="InputMono Medium" panose="02000709030000090004" pitchFamily="49" charset="0"/>
                   </a:rPr>
                   <a:t>standard interface </a:t>
                 </a:r>
@@ -5120,7 +5120,7 @@
             <p:spPr bwMode="auto">
               <a:xfrm>
                 <a:off x="7004050" y="1302250"/>
-                <a:ext cx="12721584" cy="5791908"/>
+                <a:ext cx="12721584" cy="4352425"/>
               </a:xfrm>
               <a:prstGeom prst="rect">
                 <a:avLst/>
@@ -5128,7 +5128,7 @@
               <a:blipFill>
                 <a:blip r:embed="rId3"/>
                 <a:stretch>
-                  <a:fillRect l="-499"/>
+                  <a:fillRect l="-499" b="-291"/>
                 </a:stretch>
               </a:blipFill>
               <a:extLst>
@@ -5197,7 +5197,7 @@
         </p:blipFill>
         <p:spPr>
           <a:xfrm>
-            <a:off x="3635168" y="4892675"/>
+            <a:off x="2965450" y="4892675"/>
             <a:ext cx="13398286" cy="6738136"/>
           </a:xfrm>
           <a:prstGeom prst="rect">
@@ -5815,11 +5815,11 @@
               <a:buNone/>
             </a:pPr>
             <a:r>
-              <a:rPr lang="en-US" altLang="en-US" b="1" dirty="0">
-                <a:solidFill>
-                  <a:srgbClr val="163794"/>
-                </a:solidFill>
-                <a:latin typeface="InputMono Light" panose="02000509020000090004" pitchFamily="49" charset="0"/>
+              <a:rPr lang="en-US" altLang="en-US" dirty="0">
+                <a:solidFill>
+                  <a:srgbClr val="163794"/>
+                </a:solidFill>
+                <a:latin typeface="InputMono Medium" panose="02000709030000090004" pitchFamily="49" charset="0"/>
               </a:rPr>
               <a:t>the limitation of linear models: </a:t>
             </a:r>
@@ -5861,11 +5861,11 @@
               <a:buNone/>
             </a:pPr>
             <a:r>
-              <a:rPr lang="en-US" altLang="en-US" b="1" dirty="0">
-                <a:solidFill>
-                  <a:srgbClr val="163794"/>
-                </a:solidFill>
-                <a:latin typeface="InputMono Light" panose="02000509020000090004" pitchFamily="49" charset="0"/>
+              <a:rPr lang="en-US" altLang="en-US" dirty="0">
+                <a:solidFill>
+                  <a:srgbClr val="163794"/>
+                </a:solidFill>
+                <a:latin typeface="InputMono Medium" panose="02000709030000090004" pitchFamily="49" charset="0"/>
               </a:rPr>
               <a:t>the circles problem: </a:t>
             </a:r>
@@ -5907,11 +5907,11 @@
               <a:buNone/>
             </a:pPr>
             <a:r>
-              <a:rPr lang="en-US" altLang="en-US" b="1" dirty="0">
-                <a:solidFill>
-                  <a:srgbClr val="163794"/>
-                </a:solidFill>
-                <a:latin typeface="InputMono Light" panose="02000509020000090004" pitchFamily="49" charset="0"/>
+              <a:rPr lang="en-US" altLang="en-US" dirty="0">
+                <a:solidFill>
+                  <a:srgbClr val="163794"/>
+                </a:solidFill>
+                <a:latin typeface="InputMono Medium" panose="02000709030000090004" pitchFamily="49" charset="0"/>
               </a:rPr>
               <a:t>example: </a:t>
             </a:r>
@@ -5953,11 +5953,11 @@
               <a:buNone/>
             </a:pPr>
             <a:r>
-              <a:rPr lang="en-US" altLang="en-US" b="1" dirty="0">
-                <a:solidFill>
-                  <a:srgbClr val="163794"/>
-                </a:solidFill>
-                <a:latin typeface="InputMono Light" panose="02000509020000090004" pitchFamily="49" charset="0"/>
+              <a:rPr lang="en-US" altLang="en-US" dirty="0">
+                <a:solidFill>
+                  <a:srgbClr val="163794"/>
+                </a:solidFill>
+                <a:latin typeface="InputMono Medium" panose="02000709030000090004" pitchFamily="49" charset="0"/>
               </a:rPr>
               <a:t>the result: </a:t>
             </a:r>
@@ -6614,29 +6614,29 @@
               <a:buNone/>
             </a:pPr>
             <a:r>
-              <a:rPr lang="en-US" altLang="en-US" b="1" dirty="0" err="1">
+              <a:rPr lang="en-US" altLang="en-US" dirty="0" err="1">
                 <a:solidFill>
                   <a:srgbClr val="EE4C2C"/>
                 </a:solidFill>
-                <a:latin typeface="InputMono Light" panose="02000509020000090004" pitchFamily="49" charset="0"/>
+                <a:latin typeface="InputMono Medium" panose="02000709030000090004" pitchFamily="49" charset="0"/>
               </a:rPr>
               <a:t>nn.Module</a:t>
             </a:r>
             <a:r>
-              <a:rPr lang="en-US" altLang="en-US" b="1" dirty="0">
+              <a:rPr lang="en-US" altLang="en-US" dirty="0">
                 <a:solidFill>
                   <a:srgbClr val="EE4C2C"/>
                 </a:solidFill>
-                <a:latin typeface="InputMono Light" panose="02000509020000090004" pitchFamily="49" charset="0"/>
+                <a:latin typeface="InputMono Medium" panose="02000709030000090004" pitchFamily="49" charset="0"/>
               </a:rPr>
               <a:t> </a:t>
             </a:r>
             <a:r>
-              <a:rPr lang="en-US" altLang="en-US" b="1" dirty="0">
-                <a:solidFill>
-                  <a:srgbClr val="163794"/>
-                </a:solidFill>
-                <a:latin typeface="InputMono Light" panose="02000509020000090004" pitchFamily="49" charset="0"/>
+              <a:rPr lang="en-US" altLang="en-US" dirty="0">
+                <a:solidFill>
+                  <a:srgbClr val="163794"/>
+                </a:solidFill>
+                <a:latin typeface="InputMono Medium" panose="02000709030000090004" pitchFamily="49" charset="0"/>
               </a:rPr>
               <a:t>pattern: </a:t>
             </a:r>
@@ -6678,11 +6678,11 @@
               </a:spcAft>
               <a:buNone/>
             </a:pPr>
-            <a:endParaRPr lang="en-US" altLang="en-US" dirty="0">
+            <a:endParaRPr lang="en-US" altLang="en-US" b="1" dirty="0">
               <a:solidFill>
                 <a:srgbClr val="163794"/>
               </a:solidFill>
-              <a:latin typeface="InputMono Light" panose="02000509020000090004" pitchFamily="49" charset="0"/>
+              <a:latin typeface="InputMono Medium" panose="02000709030000090004" pitchFamily="49" charset="0"/>
             </a:endParaRPr>
           </a:p>
           <a:p>
@@ -6696,11 +6696,11 @@
               <a:buNone/>
             </a:pPr>
             <a:r>
-              <a:rPr lang="en-US" altLang="en-US" b="1" dirty="0">
-                <a:solidFill>
-                  <a:srgbClr val="163794"/>
-                </a:solidFill>
-                <a:latin typeface="InputMono Light" panose="02000509020000090004" pitchFamily="49" charset="0"/>
+              <a:rPr lang="en-US" altLang="en-US" dirty="0">
+                <a:solidFill>
+                  <a:srgbClr val="163794"/>
+                </a:solidFill>
+                <a:latin typeface="InputMono Medium" panose="02000709030000090004" pitchFamily="49" charset="0"/>
               </a:rPr>
               <a:t>two essential methods:</a:t>
             </a:r>
@@ -7543,11 +7543,11 @@
               <a:buNone/>
             </a:pPr>
             <a:r>
-              <a:rPr lang="en-US" altLang="en-US" b="1" dirty="0">
-                <a:solidFill>
-                  <a:srgbClr val="163794"/>
-                </a:solidFill>
-                <a:latin typeface="InputMono Light" panose="02000509020000090004" pitchFamily="49" charset="0"/>
+              <a:rPr lang="en-US" altLang="en-US" dirty="0">
+                <a:solidFill>
+                  <a:srgbClr val="163794"/>
+                </a:solidFill>
+                <a:latin typeface="InputMono Medium" panose="02000709030000090004" pitchFamily="49" charset="0"/>
               </a:rPr>
               <a:t>upgrading the optimizer: </a:t>
             </a:r>
@@ -7618,38 +7618,38 @@
               <a:buNone/>
             </a:pPr>
             <a:r>
-              <a:rPr lang="en-US" altLang="en-US" b="1" dirty="0" err="1">
-                <a:solidFill>
-                  <a:srgbClr val="163794"/>
-                </a:solidFill>
-                <a:latin typeface="InputMono Light" panose="02000509020000090004" pitchFamily="49" charset="0"/>
+              <a:rPr lang="en-US" altLang="en-US" dirty="0" err="1">
+                <a:solidFill>
+                  <a:srgbClr val="163794"/>
+                </a:solidFill>
+                <a:latin typeface="InputMono Medium" panose="02000709030000090004" pitchFamily="49" charset="0"/>
               </a:rPr>
               <a:t>adam</a:t>
             </a:r>
             <a:r>
-              <a:rPr lang="en-US" altLang="en-US" b="1" dirty="0">
-                <a:solidFill>
-                  <a:srgbClr val="163794"/>
-                </a:solidFill>
-                <a:latin typeface="InputMono Light" panose="02000509020000090004" pitchFamily="49" charset="0"/>
+              <a:rPr lang="en-US" altLang="en-US" dirty="0">
+                <a:solidFill>
+                  <a:srgbClr val="163794"/>
+                </a:solidFill>
+                <a:latin typeface="InputMono Medium" panose="02000709030000090004" pitchFamily="49" charset="0"/>
               </a:rPr>
               <a:t> (</a:t>
             </a:r>
             <a:r>
-              <a:rPr lang="en-US" altLang="en-US" b="1" dirty="0" err="1">
+              <a:rPr lang="en-US" altLang="en-US" dirty="0" err="1">
                 <a:solidFill>
                   <a:srgbClr val="EE4C2C"/>
                 </a:solidFill>
-                <a:latin typeface="InputMono Light" panose="02000509020000090004" pitchFamily="49" charset="0"/>
+                <a:latin typeface="InputMono Medium" panose="02000709030000090004" pitchFamily="49" charset="0"/>
               </a:rPr>
               <a:t>optim.Adam</a:t>
             </a:r>
             <a:r>
-              <a:rPr lang="en-US" altLang="en-US" b="1" dirty="0">
-                <a:solidFill>
-                  <a:srgbClr val="163794"/>
-                </a:solidFill>
-                <a:latin typeface="InputMono Light" panose="02000509020000090004" pitchFamily="49" charset="0"/>
+              <a:rPr lang="en-US" altLang="en-US" dirty="0">
+                <a:solidFill>
+                  <a:srgbClr val="163794"/>
+                </a:solidFill>
+                <a:latin typeface="InputMono Medium" panose="02000709030000090004" pitchFamily="49" charset="0"/>
               </a:rPr>
               <a:t>): </a:t>
             </a:r>
@@ -7711,11 +7711,11 @@
               <a:buNone/>
             </a:pPr>
             <a:r>
-              <a:rPr lang="en-US" altLang="en-US" b="1" dirty="0">
-                <a:solidFill>
-                  <a:srgbClr val="163794"/>
-                </a:solidFill>
-                <a:latin typeface="InputMono Light" panose="02000509020000090004" pitchFamily="49" charset="0"/>
+              <a:rPr lang="en-US" altLang="en-US" dirty="0">
+                <a:solidFill>
+                  <a:srgbClr val="163794"/>
+                </a:solidFill>
+                <a:latin typeface="InputMono Medium" panose="02000709030000090004" pitchFamily="49" charset="0"/>
               </a:rPr>
               <a:t>the results: </a:t>
             </a:r>
@@ -8542,11 +8542,11 @@
               <a:buNone/>
             </a:pPr>
             <a:r>
-              <a:rPr lang="en-US" altLang="en-US" b="1" dirty="0">
-                <a:solidFill>
-                  <a:srgbClr val="163794"/>
-                </a:solidFill>
-                <a:latin typeface="InputMono Light" panose="02000509020000090004" pitchFamily="49" charset="0"/>
+              <a:rPr lang="en-US" altLang="en-US" dirty="0">
+                <a:solidFill>
+                  <a:srgbClr val="163794"/>
+                </a:solidFill>
+                <a:latin typeface="InputMono Medium" panose="02000709030000090004" pitchFamily="49" charset="0"/>
               </a:rPr>
               <a:t>the probability field: </a:t>
             </a:r>
@@ -8587,11 +8587,11 @@
               </a:spcAft>
             </a:pPr>
             <a:r>
-              <a:rPr lang="en-US" altLang="en-US" b="1" dirty="0">
-                <a:solidFill>
-                  <a:srgbClr val="163794"/>
-                </a:solidFill>
-                <a:latin typeface="InputMono Light" panose="02000509020000090004" pitchFamily="49" charset="0"/>
+              <a:rPr lang="en-US" altLang="en-US" dirty="0">
+                <a:solidFill>
+                  <a:srgbClr val="163794"/>
+                </a:solidFill>
+                <a:latin typeface="InputMono Medium" panose="02000709030000090004" pitchFamily="49" charset="0"/>
               </a:rPr>
               <a:t>deep blue areas: </a:t>
             </a:r>
@@ -8615,11 +8615,11 @@
               </a:spcAft>
             </a:pPr>
             <a:r>
-              <a:rPr lang="en-US" altLang="en-US" b="1" dirty="0">
-                <a:solidFill>
-                  <a:srgbClr val="163794"/>
-                </a:solidFill>
-                <a:latin typeface="InputMono Light" panose="02000509020000090004" pitchFamily="49" charset="0"/>
+              <a:rPr lang="en-US" altLang="en-US" dirty="0">
+                <a:solidFill>
+                  <a:srgbClr val="163794"/>
+                </a:solidFill>
+                <a:latin typeface="InputMono Medium" panose="02000709030000090004" pitchFamily="49" charset="0"/>
               </a:rPr>
               <a:t>deep red areas: </a:t>
             </a:r>
@@ -8643,11 +8643,11 @@
               </a:spcAft>
             </a:pPr>
             <a:r>
-              <a:rPr lang="en-US" altLang="en-US" b="1" dirty="0">
-                <a:solidFill>
-                  <a:srgbClr val="163794"/>
-                </a:solidFill>
-                <a:latin typeface="InputMono Light" panose="02000509020000090004" pitchFamily="49" charset="0"/>
+              <a:rPr lang="en-US" altLang="en-US" dirty="0">
+                <a:solidFill>
+                  <a:srgbClr val="163794"/>
+                </a:solidFill>
+                <a:latin typeface="InputMono Medium" panose="02000709030000090004" pitchFamily="49" charset="0"/>
               </a:rPr>
               <a:t>the "coastline" (white/light colors): </a:t>
             </a:r>
@@ -10391,11 +10391,11 @@
               <a:buNone/>
             </a:pPr>
             <a:r>
-              <a:rPr lang="en-US" altLang="en-US" sz="2400" b="1" dirty="0">
-                <a:solidFill>
-                  <a:srgbClr val="163794"/>
-                </a:solidFill>
-                <a:latin typeface="InputMono Light" panose="02000509020000090004" pitchFamily="49" charset="0"/>
+              <a:rPr lang="en-US" altLang="en-US" sz="2400" dirty="0">
+                <a:solidFill>
+                  <a:srgbClr val="163794"/>
+                </a:solidFill>
+                <a:latin typeface="InputMono Medium" panose="02000709030000090004" pitchFamily="49" charset="0"/>
               </a:rPr>
               <a:t>each neuron:</a:t>
             </a:r>
@@ -10542,8 +10542,8 @@
           </a:prstGeom>
         </p:spPr>
       </p:pic>
-      <mc:AlternateContent xmlns:mc="http://schemas.openxmlformats.org/markup-compatibility/2006">
-        <mc:Choice xmlns:a14="http://schemas.microsoft.com/office/drawing/2010/main" Requires="a14">
+      <mc:AlternateContent xmlns:mc="http://schemas.openxmlformats.org/markup-compatibility/2006" xmlns:a14="http://schemas.microsoft.com/office/drawing/2010/main">
+        <mc:Choice Requires="a14">
           <p:sp>
             <p:nvSpPr>
               <p:cNvPr id="6" name="TextBox 5">
@@ -10693,7 +10693,7 @@
             </p:txBody>
           </p:sp>
         </mc:Choice>
-        <mc:Fallback>
+        <mc:Fallback xmlns="">
           <p:sp>
             <p:nvSpPr>
               <p:cNvPr id="6" name="TextBox 5">
@@ -11359,11 +11359,11 @@
               <a:buAutoNum type="arabicPeriod"/>
             </a:pPr>
             <a:r>
-              <a:rPr lang="en-US" altLang="en-US" sz="2400" b="1" dirty="0">
-                <a:solidFill>
-                  <a:srgbClr val="163794"/>
-                </a:solidFill>
-                <a:latin typeface="InputMono Light" panose="02000509020000090004" pitchFamily="49" charset="0"/>
+              <a:rPr lang="en-US" altLang="en-US" sz="2400" dirty="0">
+                <a:solidFill>
+                  <a:srgbClr val="163794"/>
+                </a:solidFill>
+                <a:latin typeface="InputMono Medium" panose="02000709030000090004" pitchFamily="49" charset="0"/>
               </a:rPr>
               <a:t>forward pass: </a:t>
             </a:r>
@@ -11389,11 +11389,11 @@
               <a:buAutoNum type="arabicPeriod"/>
             </a:pPr>
             <a:r>
-              <a:rPr lang="en-US" altLang="en-US" sz="2400" b="1" dirty="0">
-                <a:solidFill>
-                  <a:srgbClr val="163794"/>
-                </a:solidFill>
-                <a:latin typeface="InputMono Light" panose="02000509020000090004" pitchFamily="49" charset="0"/>
+              <a:rPr lang="en-US" altLang="en-US" sz="2400" dirty="0">
+                <a:solidFill>
+                  <a:srgbClr val="163794"/>
+                </a:solidFill>
+                <a:latin typeface="InputMono Medium" panose="02000709030000090004" pitchFamily="49" charset="0"/>
               </a:rPr>
               <a:t>loss calculation: </a:t>
             </a:r>
@@ -11419,11 +11419,11 @@
               <a:buAutoNum type="arabicPeriod"/>
             </a:pPr>
             <a:r>
-              <a:rPr lang="en-US" altLang="en-US" sz="2400" b="1" dirty="0">
-                <a:solidFill>
-                  <a:srgbClr val="163794"/>
-                </a:solidFill>
-                <a:latin typeface="InputMono Light" panose="02000509020000090004" pitchFamily="49" charset="0"/>
+              <a:rPr lang="en-US" altLang="en-US" sz="2400" dirty="0">
+                <a:solidFill>
+                  <a:srgbClr val="163794"/>
+                </a:solidFill>
+                <a:latin typeface="InputMono Medium" panose="02000709030000090004" pitchFamily="49" charset="0"/>
               </a:rPr>
               <a:t>backward pass: </a:t>
             </a:r>
@@ -11449,11 +11449,11 @@
               <a:buAutoNum type="arabicPeriod"/>
             </a:pPr>
             <a:r>
-              <a:rPr lang="en-US" altLang="en-US" sz="2400" b="1" dirty="0">
-                <a:solidFill>
-                  <a:srgbClr val="163794"/>
-                </a:solidFill>
-                <a:latin typeface="InputMono Light" panose="02000509020000090004" pitchFamily="49" charset="0"/>
+              <a:rPr lang="en-US" altLang="en-US" sz="2400" dirty="0">
+                <a:solidFill>
+                  <a:srgbClr val="163794"/>
+                </a:solidFill>
+                <a:latin typeface="InputMono Medium" panose="02000709030000090004" pitchFamily="49" charset="0"/>
               </a:rPr>
               <a:t>parameter update: </a:t>
             </a:r>
@@ -11540,8 +11540,8 @@
           </a:prstGeom>
         </p:spPr>
       </p:pic>
-      <mc:AlternateContent xmlns:mc="http://schemas.openxmlformats.org/markup-compatibility/2006">
-        <mc:Choice xmlns:a14="http://schemas.microsoft.com/office/drawing/2010/main" Requires="a14">
+      <mc:AlternateContent xmlns:mc="http://schemas.openxmlformats.org/markup-compatibility/2006" xmlns:a14="http://schemas.microsoft.com/office/drawing/2010/main">
+        <mc:Choice Requires="a14">
           <p:sp>
             <p:nvSpPr>
               <p:cNvPr id="3" name="TextBox 2">
@@ -11713,7 +11713,7 @@
                               </a:solidFill>
                               <a:latin typeface="Cambria Math" panose="02040503050406030204" pitchFamily="18" charset="0"/>
                             </a:rPr>
-                            <m:t> - </m:t>
+                            <m:t> − </m:t>
                           </m:r>
                           <m:r>
                             <m:rPr>
@@ -11785,7 +11785,7 @@
             </p:txBody>
           </p:sp>
         </mc:Choice>
-        <mc:Fallback>
+        <mc:Fallback xmlns="">
           <p:sp>
             <p:nvSpPr>
               <p:cNvPr id="3" name="TextBox 2">
@@ -12527,8 +12527,8 @@
           </a:prstGeom>
         </p:spPr>
       </p:pic>
-      <mc:AlternateContent xmlns:mc="http://schemas.openxmlformats.org/markup-compatibility/2006">
-        <mc:Choice xmlns:a14="http://schemas.microsoft.com/office/drawing/2010/main" Requires="a14">
+      <mc:AlternateContent xmlns:mc="http://schemas.openxmlformats.org/markup-compatibility/2006" xmlns:a14="http://schemas.microsoft.com/office/drawing/2010/main">
+        <mc:Choice Requires="a14">
           <p:sp>
             <p:nvSpPr>
               <p:cNvPr id="7" name="TextBox 6">
@@ -12780,7 +12780,7 @@
             </p:txBody>
           </p:sp>
         </mc:Choice>
-        <mc:Fallback>
+        <mc:Fallback xmlns="">
           <p:sp>
             <p:nvSpPr>
               <p:cNvPr id="7" name="TextBox 6">
@@ -13462,11 +13462,11 @@
                   <a:buNone/>
                 </a:pPr>
                 <a:r>
-                  <a:rPr lang="en-US" altLang="en-US" b="1" dirty="0">
+                  <a:rPr lang="en-US" altLang="en-US" dirty="0">
                     <a:solidFill>
                       <a:srgbClr val="163794"/>
                     </a:solidFill>
-                    <a:latin typeface="InputMono Light" panose="02000509020000090004" pitchFamily="49" charset="0"/>
+                    <a:latin typeface="InputMono Medium" panose="02000709030000090004" pitchFamily="49" charset="0"/>
                   </a:rPr>
                   <a:t>the goal: </a:t>
                 </a:r>
@@ -13519,11 +13519,11 @@
                   <a:buNone/>
                 </a:pPr>
                 <a:r>
-                  <a:rPr lang="en-US" altLang="en-US" b="1" dirty="0">
+                  <a:rPr lang="en-US" altLang="en-US" dirty="0">
                     <a:solidFill>
                       <a:srgbClr val="163794"/>
                     </a:solidFill>
-                    <a:latin typeface="InputMono Light" panose="02000509020000090004" pitchFamily="49" charset="0"/>
+                    <a:latin typeface="InputMono Medium" panose="02000709030000090004" pitchFamily="49" charset="0"/>
                   </a:rPr>
                   <a:t>the loss function (binary cross-entropy):</a:t>
                 </a:r>
@@ -13830,8 +13830,8 @@
           </a:extLst>
         </p:spPr>
       </p:pic>
-      <mc:AlternateContent xmlns:mc="http://schemas.openxmlformats.org/markup-compatibility/2006">
-        <mc:Choice xmlns:a14="http://schemas.microsoft.com/office/drawing/2010/main" Requires="a14">
+      <mc:AlternateContent xmlns:mc="http://schemas.openxmlformats.org/markup-compatibility/2006" xmlns:a14="http://schemas.microsoft.com/office/drawing/2010/main">
+        <mc:Choice Requires="a14">
           <p:sp>
             <p:nvSpPr>
               <p:cNvPr id="6" name="TextBox 5">
@@ -14257,7 +14257,7 @@
             </p:txBody>
           </p:sp>
         </mc:Choice>
-        <mc:Fallback>
+        <mc:Fallback xmlns="">
           <p:sp>
             <p:nvSpPr>
               <p:cNvPr id="6" name="TextBox 5">
@@ -14689,8 +14689,8 @@
           </a:p>
         </p:txBody>
       </p:sp>
-      <mc:AlternateContent xmlns:mc="http://schemas.openxmlformats.org/markup-compatibility/2006">
-        <mc:Choice xmlns:a14="http://schemas.microsoft.com/office/drawing/2010/main" Requires="a14">
+      <mc:AlternateContent xmlns:mc="http://schemas.openxmlformats.org/markup-compatibility/2006" xmlns:a14="http://schemas.microsoft.com/office/drawing/2010/main">
+        <mc:Choice Requires="a14">
           <p:sp>
             <p:nvSpPr>
               <p:cNvPr id="9" name="Rectangle 2">
@@ -15082,7 +15082,7 @@
             </p:txBody>
           </p:sp>
         </mc:Choice>
-        <mc:Fallback>
+        <mc:Fallback xmlns="">
           <p:sp>
             <p:nvSpPr>
               <p:cNvPr id="9" name="Rectangle 2">
@@ -15211,8 +15211,8 @@
           </a:extLst>
         </p:spPr>
       </p:pic>
-      <mc:AlternateContent xmlns:mc="http://schemas.openxmlformats.org/markup-compatibility/2006">
-        <mc:Choice xmlns:a14="http://schemas.microsoft.com/office/drawing/2010/main" Requires="a14">
+      <mc:AlternateContent xmlns:mc="http://schemas.openxmlformats.org/markup-compatibility/2006" xmlns:a14="http://schemas.microsoft.com/office/drawing/2010/main">
+        <mc:Choice Requires="a14">
           <p:sp>
             <p:nvSpPr>
               <p:cNvPr id="6" name="TextBox 5">
@@ -15407,7 +15407,7 @@
             </p:txBody>
           </p:sp>
         </mc:Choice>
-        <mc:Fallback>
+        <mc:Fallback xmlns="">
           <p:sp>
             <p:nvSpPr>
               <p:cNvPr id="6" name="TextBox 5">
@@ -15452,8 +15452,8 @@
           </p:sp>
         </mc:Fallback>
       </mc:AlternateContent>
-      <mc:AlternateContent xmlns:mc="http://schemas.openxmlformats.org/markup-compatibility/2006">
-        <mc:Choice xmlns:a14="http://schemas.microsoft.com/office/drawing/2010/main" Requires="a14">
+      <mc:AlternateContent xmlns:mc="http://schemas.openxmlformats.org/markup-compatibility/2006" xmlns:a14="http://schemas.microsoft.com/office/drawing/2010/main">
+        <mc:Choice Requires="a14">
           <p:sp>
             <p:nvSpPr>
               <p:cNvPr id="10" name="TextBox 9">
@@ -15648,7 +15648,7 @@
             </p:txBody>
           </p:sp>
         </mc:Choice>
-        <mc:Fallback>
+        <mc:Fallback xmlns="">
           <p:sp>
             <p:nvSpPr>
               <p:cNvPr id="10" name="TextBox 9">
@@ -16080,8 +16080,8 @@
           </a:p>
         </p:txBody>
       </p:sp>
-      <mc:AlternateContent xmlns:mc="http://schemas.openxmlformats.org/markup-compatibility/2006">
-        <mc:Choice xmlns:a14="http://schemas.microsoft.com/office/drawing/2010/main" Requires="a14">
+      <mc:AlternateContent xmlns:mc="http://schemas.openxmlformats.org/markup-compatibility/2006" xmlns:a14="http://schemas.microsoft.com/office/drawing/2010/main">
+        <mc:Choice Requires="a14">
           <p:sp>
             <p:nvSpPr>
               <p:cNvPr id="9" name="Rectangle 2">
@@ -16473,7 +16473,7 @@
             </p:txBody>
           </p:sp>
         </mc:Choice>
-        <mc:Fallback>
+        <mc:Fallback xmlns="">
           <p:sp>
             <p:nvSpPr>
               <p:cNvPr id="9" name="Rectangle 2">
@@ -16546,8 +16546,8 @@
           </p:sp>
         </mc:Fallback>
       </mc:AlternateContent>
-      <mc:AlternateContent xmlns:mc="http://schemas.openxmlformats.org/markup-compatibility/2006">
-        <mc:Choice xmlns:a14="http://schemas.microsoft.com/office/drawing/2010/main" Requires="a14">
+      <mc:AlternateContent xmlns:mc="http://schemas.openxmlformats.org/markup-compatibility/2006" xmlns:a14="http://schemas.microsoft.com/office/drawing/2010/main">
+        <mc:Choice Requires="a14">
           <p:sp>
             <p:nvSpPr>
               <p:cNvPr id="6" name="TextBox 5">
@@ -16742,7 +16742,7 @@
             </p:txBody>
           </p:sp>
         </mc:Choice>
-        <mc:Fallback>
+        <mc:Fallback xmlns="">
           <p:sp>
             <p:nvSpPr>
               <p:cNvPr id="6" name="TextBox 5">
@@ -16787,8 +16787,8 @@
           </p:sp>
         </mc:Fallback>
       </mc:AlternateContent>
-      <mc:AlternateContent xmlns:mc="http://schemas.openxmlformats.org/markup-compatibility/2006">
-        <mc:Choice xmlns:a14="http://schemas.microsoft.com/office/drawing/2010/main" Requires="a14">
+      <mc:AlternateContent xmlns:mc="http://schemas.openxmlformats.org/markup-compatibility/2006" xmlns:a14="http://schemas.microsoft.com/office/drawing/2010/main">
+        <mc:Choice Requires="a14">
           <p:sp>
             <p:nvSpPr>
               <p:cNvPr id="10" name="TextBox 9">
@@ -16983,7 +16983,7 @@
             </p:txBody>
           </p:sp>
         </mc:Choice>
-        <mc:Fallback>
+        <mc:Fallback xmlns="">
           <p:sp>
             <p:nvSpPr>
               <p:cNvPr id="10" name="TextBox 9">
